--- a/osi-and-tcp.pptx
+++ b/osi-and-tcp.pptx
@@ -104,6 +104,11 @@
       </a:defRPr>
     </a:lvl9pPr>
   </p:defaultTextStyle>
+  <p:extLst>
+    <p:ext uri="{EFAFB233-063F-42B5-8137-9DF3F51BA10A}">
+      <p15:sldGuideLst xmlns:p15="http://schemas.microsoft.com/office/powerpoint/2012/main"/>
+    </p:ext>
+  </p:extLst>
 </p:presentation>
 </file>
 
@@ -254,7 +259,7 @@
           <a:p>
             <a:fld id="{5768A8E9-569F-4B7F-B37D-600B5585B67A}" type="datetimeFigureOut">
               <a:rPr lang="ko-KR" altLang="en-US" smtClean="0"/>
-              <a:t>2020-07-12</a:t>
+              <a:t>2020-07-14</a:t>
             </a:fld>
             <a:endParaRPr lang="ko-KR" altLang="en-US"/>
           </a:p>
@@ -452,7 +457,7 @@
           <a:p>
             <a:fld id="{5768A8E9-569F-4B7F-B37D-600B5585B67A}" type="datetimeFigureOut">
               <a:rPr lang="ko-KR" altLang="en-US" smtClean="0"/>
-              <a:t>2020-07-12</a:t>
+              <a:t>2020-07-14</a:t>
             </a:fld>
             <a:endParaRPr lang="ko-KR" altLang="en-US"/>
           </a:p>
@@ -660,7 +665,7 @@
           <a:p>
             <a:fld id="{5768A8E9-569F-4B7F-B37D-600B5585B67A}" type="datetimeFigureOut">
               <a:rPr lang="ko-KR" altLang="en-US" smtClean="0"/>
-              <a:t>2020-07-12</a:t>
+              <a:t>2020-07-14</a:t>
             </a:fld>
             <a:endParaRPr lang="ko-KR" altLang="en-US"/>
           </a:p>
@@ -858,7 +863,7 @@
           <a:p>
             <a:fld id="{5768A8E9-569F-4B7F-B37D-600B5585B67A}" type="datetimeFigureOut">
               <a:rPr lang="ko-KR" altLang="en-US" smtClean="0"/>
-              <a:t>2020-07-12</a:t>
+              <a:t>2020-07-14</a:t>
             </a:fld>
             <a:endParaRPr lang="ko-KR" altLang="en-US"/>
           </a:p>
@@ -1133,7 +1138,7 @@
           <a:p>
             <a:fld id="{5768A8E9-569F-4B7F-B37D-600B5585B67A}" type="datetimeFigureOut">
               <a:rPr lang="ko-KR" altLang="en-US" smtClean="0"/>
-              <a:t>2020-07-12</a:t>
+              <a:t>2020-07-14</a:t>
             </a:fld>
             <a:endParaRPr lang="ko-KR" altLang="en-US"/>
           </a:p>
@@ -1398,7 +1403,7 @@
           <a:p>
             <a:fld id="{5768A8E9-569F-4B7F-B37D-600B5585B67A}" type="datetimeFigureOut">
               <a:rPr lang="ko-KR" altLang="en-US" smtClean="0"/>
-              <a:t>2020-07-12</a:t>
+              <a:t>2020-07-14</a:t>
             </a:fld>
             <a:endParaRPr lang="ko-KR" altLang="en-US"/>
           </a:p>
@@ -1810,7 +1815,7 @@
           <a:p>
             <a:fld id="{5768A8E9-569F-4B7F-B37D-600B5585B67A}" type="datetimeFigureOut">
               <a:rPr lang="ko-KR" altLang="en-US" smtClean="0"/>
-              <a:t>2020-07-12</a:t>
+              <a:t>2020-07-14</a:t>
             </a:fld>
             <a:endParaRPr lang="ko-KR" altLang="en-US"/>
           </a:p>
@@ -1951,7 +1956,7 @@
           <a:p>
             <a:fld id="{5768A8E9-569F-4B7F-B37D-600B5585B67A}" type="datetimeFigureOut">
               <a:rPr lang="ko-KR" altLang="en-US" smtClean="0"/>
-              <a:t>2020-07-12</a:t>
+              <a:t>2020-07-14</a:t>
             </a:fld>
             <a:endParaRPr lang="ko-KR" altLang="en-US"/>
           </a:p>
@@ -2064,7 +2069,7 @@
           <a:p>
             <a:fld id="{5768A8E9-569F-4B7F-B37D-600B5585B67A}" type="datetimeFigureOut">
               <a:rPr lang="ko-KR" altLang="en-US" smtClean="0"/>
-              <a:t>2020-07-12</a:t>
+              <a:t>2020-07-14</a:t>
             </a:fld>
             <a:endParaRPr lang="ko-KR" altLang="en-US"/>
           </a:p>
@@ -2375,7 +2380,7 @@
           <a:p>
             <a:fld id="{5768A8E9-569F-4B7F-B37D-600B5585B67A}" type="datetimeFigureOut">
               <a:rPr lang="ko-KR" altLang="en-US" smtClean="0"/>
-              <a:t>2020-07-12</a:t>
+              <a:t>2020-07-14</a:t>
             </a:fld>
             <a:endParaRPr lang="ko-KR" altLang="en-US"/>
           </a:p>
@@ -2663,7 +2668,7 @@
           <a:p>
             <a:fld id="{5768A8E9-569F-4B7F-B37D-600B5585B67A}" type="datetimeFigureOut">
               <a:rPr lang="ko-KR" altLang="en-US" smtClean="0"/>
-              <a:t>2020-07-12</a:t>
+              <a:t>2020-07-14</a:t>
             </a:fld>
             <a:endParaRPr lang="ko-KR" altLang="en-US"/>
           </a:p>
@@ -2904,7 +2909,7 @@
           <a:p>
             <a:fld id="{5768A8E9-569F-4B7F-B37D-600B5585B67A}" type="datetimeFigureOut">
               <a:rPr lang="ko-KR" altLang="en-US" smtClean="0"/>
-              <a:t>2020-07-12</a:t>
+              <a:t>2020-07-14</a:t>
             </a:fld>
             <a:endParaRPr lang="ko-KR" altLang="en-US"/>
           </a:p>
@@ -3336,7 +3341,7 @@
           <p:nvPr>
             <p:extLst>
               <p:ext uri="{D42A27DB-BD31-4B8C-83A1-F6EECF244321}">
-                <p14:modId xmlns:p14="http://schemas.microsoft.com/office/powerpoint/2010/main" val="2500629015"/>
+                <p14:modId xmlns:p14="http://schemas.microsoft.com/office/powerpoint/2010/main" val="486487005"/>
               </p:ext>
             </p:extLst>
           </p:nvPr>
@@ -3519,12 +3524,16 @@
                   </a:txBody>
                   <a:tcPr anchor="ctr"/>
                 </a:tc>
-                <a:tc>
+                <a:tc rowSpan="3">
                   <a:txBody>
                     <a:bodyPr/>
                     <a:lstStyle/>
                     <a:p>
                       <a:pPr algn="ctr" latinLnBrk="1"/>
+                      <a:r>
+                        <a:rPr lang="en-US" altLang="ko-KR" sz="3200" dirty="0"/>
+                        <a:t>L7(Firewall)</a:t>
+                      </a:r>
                       <a:endParaRPr lang="ko-KR" altLang="en-US" sz="3200" dirty="0"/>
                     </a:p>
                   </a:txBody>
@@ -3634,7 +3643,7 @@
                   </a:txBody>
                   <a:tcPr anchor="ctr"/>
                 </a:tc>
-                <a:tc>
+                <a:tc vMerge="1">
                   <a:txBody>
                     <a:bodyPr/>
                     <a:lstStyle/>
@@ -3712,7 +3721,7 @@
                   </a:txBody>
                   <a:tcPr anchor="ctr"/>
                 </a:tc>
-                <a:tc>
+                <a:tc vMerge="1">
                   <a:txBody>
                     <a:bodyPr/>
                     <a:lstStyle/>
@@ -3796,7 +3805,11 @@
                     <a:lstStyle/>
                     <a:p>
                       <a:pPr algn="ctr" latinLnBrk="1"/>
-                      <a:endParaRPr lang="ko-KR" altLang="en-US" sz="3200"/>
+                      <a:r>
+                        <a:rPr lang="en-US" altLang="ko-KR" sz="3200" dirty="0"/>
+                        <a:t>L4(NAT)</a:t>
+                      </a:r>
+                      <a:endParaRPr lang="ko-KR" altLang="en-US" sz="3200" dirty="0"/>
                     </a:p>
                   </a:txBody>
                   <a:tcPr anchor="ctr"/>
@@ -3890,6 +3903,10 @@
                     <a:lstStyle/>
                     <a:p>
                       <a:pPr algn="ctr" latinLnBrk="1"/>
+                      <a:r>
+                        <a:rPr lang="en-US" altLang="ko-KR" sz="3200" dirty="0"/>
+                        <a:t>L3(Router)</a:t>
+                      </a:r>
                       <a:endParaRPr lang="ko-KR" altLang="en-US" sz="3200" dirty="0"/>
                     </a:p>
                   </a:txBody>
@@ -3984,6 +4001,10 @@
                     <a:lstStyle/>
                     <a:p>
                       <a:pPr algn="ctr" latinLnBrk="1"/>
+                      <a:r>
+                        <a:rPr lang="en-US" altLang="ko-KR" sz="3200" dirty="0"/>
+                        <a:t>L2(Switch)</a:t>
+                      </a:r>
                       <a:endParaRPr lang="ko-KR" altLang="en-US" sz="3200" dirty="0"/>
                     </a:p>
                   </a:txBody>
